--- a/1_SQL/2_PPT/24_Drop_Delete_Truncate/1_Delete.pptx
+++ b/1_SQL/2_PPT/24_Drop_Delete_Truncate/1_Delete.pptx
@@ -5,10 +5,11 @@
     <p:sldMasterId id="2147483648" r:id="rId1"/>
   </p:sldMasterIdLst>
   <p:sldIdLst>
-    <p:sldId id="256" r:id="rId2"/>
-    <p:sldId id="257" r:id="rId3"/>
-    <p:sldId id="258" r:id="rId4"/>
-    <p:sldId id="259" r:id="rId5"/>
+    <p:sldId id="259" r:id="rId2"/>
+    <p:sldId id="496" r:id="rId3"/>
+    <p:sldId id="256" r:id="rId4"/>
+    <p:sldId id="257" r:id="rId5"/>
+    <p:sldId id="258" r:id="rId6"/>
   </p:sldIdLst>
   <p:sldSz cx="12192000" cy="6858000"/>
   <p:notesSz cx="6858000" cy="9144000"/>
@@ -107,6 +108,11 @@
       </a:defRPr>
     </a:lvl9pPr>
   </p:defaultTextStyle>
+  <p:extLst>
+    <p:ext uri="{EFAFB233-063F-42B5-8137-9DF3F51BA10A}">
+      <p15:sldGuideLst xmlns:p15="http://schemas.microsoft.com/office/powerpoint/2012/main"/>
+    </p:ext>
+  </p:extLst>
 </p:presentation>
 </file>
 
@@ -152,7 +158,7 @@
           </a:lstStyle>
           <a:p>
             <a:r>
-              <a:rPr lang="en-US" smtClean="0"/>
+              <a:rPr lang="en-US"/>
               <a:t>Click to edit Master title style</a:t>
             </a:r>
             <a:endParaRPr lang="en-IN"/>
@@ -217,7 +223,7 @@
           </a:lstStyle>
           <a:p>
             <a:r>
-              <a:rPr lang="en-US" smtClean="0"/>
+              <a:rPr lang="en-US"/>
               <a:t>Click to edit Master subtitle style</a:t>
             </a:r>
             <a:endParaRPr lang="en-IN"/>
@@ -241,7 +247,7 @@
           <a:p>
             <a:fld id="{00CEBC9C-C5FE-42F5-A11D-EA459225B158}" type="datetimeFigureOut">
               <a:rPr lang="en-IN" smtClean="0"/>
-              <a:t>15-10-2022</a:t>
+              <a:t>11-11-2022</a:t>
             </a:fld>
             <a:endParaRPr lang="en-IN"/>
           </a:p>
@@ -335,7 +341,7 @@
           <a:lstStyle/>
           <a:p>
             <a:r>
-              <a:rPr lang="en-US" smtClean="0"/>
+              <a:rPr lang="en-US"/>
               <a:t>Click to edit Master title style</a:t>
             </a:r>
             <a:endParaRPr lang="en-IN"/>
@@ -359,35 +365,35 @@
           <a:p>
             <a:pPr lvl="0"/>
             <a:r>
-              <a:rPr lang="en-US" smtClean="0"/>
+              <a:rPr lang="en-US"/>
               <a:t>Click to edit Master text styles</a:t>
             </a:r>
           </a:p>
           <a:p>
             <a:pPr lvl="1"/>
             <a:r>
-              <a:rPr lang="en-US" smtClean="0"/>
+              <a:rPr lang="en-US"/>
               <a:t>Second level</a:t>
             </a:r>
           </a:p>
           <a:p>
             <a:pPr lvl="2"/>
             <a:r>
-              <a:rPr lang="en-US" smtClean="0"/>
+              <a:rPr lang="en-US"/>
               <a:t>Third level</a:t>
             </a:r>
           </a:p>
           <a:p>
             <a:pPr lvl="3"/>
             <a:r>
-              <a:rPr lang="en-US" smtClean="0"/>
+              <a:rPr lang="en-US"/>
               <a:t>Fourth level</a:t>
             </a:r>
           </a:p>
           <a:p>
             <a:pPr lvl="4"/>
             <a:r>
-              <a:rPr lang="en-US" smtClean="0"/>
+              <a:rPr lang="en-US"/>
               <a:t>Fifth level</a:t>
             </a:r>
             <a:endParaRPr lang="en-IN"/>
@@ -411,7 +417,7 @@
           <a:p>
             <a:fld id="{00CEBC9C-C5FE-42F5-A11D-EA459225B158}" type="datetimeFigureOut">
               <a:rPr lang="en-IN" smtClean="0"/>
-              <a:t>15-10-2022</a:t>
+              <a:t>11-11-2022</a:t>
             </a:fld>
             <a:endParaRPr lang="en-IN"/>
           </a:p>
@@ -510,7 +516,7 @@
           <a:lstStyle/>
           <a:p>
             <a:r>
-              <a:rPr lang="en-US" smtClean="0"/>
+              <a:rPr lang="en-US"/>
               <a:t>Click to edit Master title style</a:t>
             </a:r>
             <a:endParaRPr lang="en-IN"/>
@@ -539,35 +545,35 @@
           <a:p>
             <a:pPr lvl="0"/>
             <a:r>
-              <a:rPr lang="en-US" smtClean="0"/>
+              <a:rPr lang="en-US"/>
               <a:t>Click to edit Master text styles</a:t>
             </a:r>
           </a:p>
           <a:p>
             <a:pPr lvl="1"/>
             <a:r>
-              <a:rPr lang="en-US" smtClean="0"/>
+              <a:rPr lang="en-US"/>
               <a:t>Second level</a:t>
             </a:r>
           </a:p>
           <a:p>
             <a:pPr lvl="2"/>
             <a:r>
-              <a:rPr lang="en-US" smtClean="0"/>
+              <a:rPr lang="en-US"/>
               <a:t>Third level</a:t>
             </a:r>
           </a:p>
           <a:p>
             <a:pPr lvl="3"/>
             <a:r>
-              <a:rPr lang="en-US" smtClean="0"/>
+              <a:rPr lang="en-US"/>
               <a:t>Fourth level</a:t>
             </a:r>
           </a:p>
           <a:p>
             <a:pPr lvl="4"/>
             <a:r>
-              <a:rPr lang="en-US" smtClean="0"/>
+              <a:rPr lang="en-US"/>
               <a:t>Fifth level</a:t>
             </a:r>
             <a:endParaRPr lang="en-IN"/>
@@ -591,7 +597,7 @@
           <a:p>
             <a:fld id="{00CEBC9C-C5FE-42F5-A11D-EA459225B158}" type="datetimeFigureOut">
               <a:rPr lang="en-IN" smtClean="0"/>
-              <a:t>15-10-2022</a:t>
+              <a:t>11-11-2022</a:t>
             </a:fld>
             <a:endParaRPr lang="en-IN"/>
           </a:p>
@@ -685,7 +691,7 @@
           <a:lstStyle/>
           <a:p>
             <a:r>
-              <a:rPr lang="en-US" smtClean="0"/>
+              <a:rPr lang="en-US"/>
               <a:t>Click to edit Master title style</a:t>
             </a:r>
             <a:endParaRPr lang="en-IN"/>
@@ -709,35 +715,35 @@
           <a:p>
             <a:pPr lvl="0"/>
             <a:r>
-              <a:rPr lang="en-US" smtClean="0"/>
+              <a:rPr lang="en-US"/>
               <a:t>Click to edit Master text styles</a:t>
             </a:r>
           </a:p>
           <a:p>
             <a:pPr lvl="1"/>
             <a:r>
-              <a:rPr lang="en-US" smtClean="0"/>
+              <a:rPr lang="en-US"/>
               <a:t>Second level</a:t>
             </a:r>
           </a:p>
           <a:p>
             <a:pPr lvl="2"/>
             <a:r>
-              <a:rPr lang="en-US" smtClean="0"/>
+              <a:rPr lang="en-US"/>
               <a:t>Third level</a:t>
             </a:r>
           </a:p>
           <a:p>
             <a:pPr lvl="3"/>
             <a:r>
-              <a:rPr lang="en-US" smtClean="0"/>
+              <a:rPr lang="en-US"/>
               <a:t>Fourth level</a:t>
             </a:r>
           </a:p>
           <a:p>
             <a:pPr lvl="4"/>
             <a:r>
-              <a:rPr lang="en-US" smtClean="0"/>
+              <a:rPr lang="en-US"/>
               <a:t>Fifth level</a:t>
             </a:r>
             <a:endParaRPr lang="en-IN"/>
@@ -761,7 +767,7 @@
           <a:p>
             <a:fld id="{00CEBC9C-C5FE-42F5-A11D-EA459225B158}" type="datetimeFigureOut">
               <a:rPr lang="en-IN" smtClean="0"/>
-              <a:t>15-10-2022</a:t>
+              <a:t>11-11-2022</a:t>
             </a:fld>
             <a:endParaRPr lang="en-IN"/>
           </a:p>
@@ -864,7 +870,7 @@
           </a:lstStyle>
           <a:p>
             <a:r>
-              <a:rPr lang="en-US" smtClean="0"/>
+              <a:rPr lang="en-US"/>
               <a:t>Click to edit Master title style</a:t>
             </a:r>
             <a:endParaRPr lang="en-IN"/>
@@ -984,7 +990,7 @@
           <a:p>
             <a:pPr lvl="0"/>
             <a:r>
-              <a:rPr lang="en-US" smtClean="0"/>
+              <a:rPr lang="en-US"/>
               <a:t>Click to edit Master text styles</a:t>
             </a:r>
           </a:p>
@@ -1007,7 +1013,7 @@
           <a:p>
             <a:fld id="{00CEBC9C-C5FE-42F5-A11D-EA459225B158}" type="datetimeFigureOut">
               <a:rPr lang="en-IN" smtClean="0"/>
-              <a:t>15-10-2022</a:t>
+              <a:t>11-11-2022</a:t>
             </a:fld>
             <a:endParaRPr lang="en-IN"/>
           </a:p>
@@ -1101,7 +1107,7 @@
           <a:lstStyle/>
           <a:p>
             <a:r>
-              <a:rPr lang="en-US" smtClean="0"/>
+              <a:rPr lang="en-US"/>
               <a:t>Click to edit Master title style</a:t>
             </a:r>
             <a:endParaRPr lang="en-IN"/>
@@ -1130,35 +1136,35 @@
           <a:p>
             <a:pPr lvl="0"/>
             <a:r>
-              <a:rPr lang="en-US" smtClean="0"/>
+              <a:rPr lang="en-US"/>
               <a:t>Click to edit Master text styles</a:t>
             </a:r>
           </a:p>
           <a:p>
             <a:pPr lvl="1"/>
             <a:r>
-              <a:rPr lang="en-US" smtClean="0"/>
+              <a:rPr lang="en-US"/>
               <a:t>Second level</a:t>
             </a:r>
           </a:p>
           <a:p>
             <a:pPr lvl="2"/>
             <a:r>
-              <a:rPr lang="en-US" smtClean="0"/>
+              <a:rPr lang="en-US"/>
               <a:t>Third level</a:t>
             </a:r>
           </a:p>
           <a:p>
             <a:pPr lvl="3"/>
             <a:r>
-              <a:rPr lang="en-US" smtClean="0"/>
+              <a:rPr lang="en-US"/>
               <a:t>Fourth level</a:t>
             </a:r>
           </a:p>
           <a:p>
             <a:pPr lvl="4"/>
             <a:r>
-              <a:rPr lang="en-US" smtClean="0"/>
+              <a:rPr lang="en-US"/>
               <a:t>Fifth level</a:t>
             </a:r>
             <a:endParaRPr lang="en-IN"/>
@@ -1187,35 +1193,35 @@
           <a:p>
             <a:pPr lvl="0"/>
             <a:r>
-              <a:rPr lang="en-US" smtClean="0"/>
+              <a:rPr lang="en-US"/>
               <a:t>Click to edit Master text styles</a:t>
             </a:r>
           </a:p>
           <a:p>
             <a:pPr lvl="1"/>
             <a:r>
-              <a:rPr lang="en-US" smtClean="0"/>
+              <a:rPr lang="en-US"/>
               <a:t>Second level</a:t>
             </a:r>
           </a:p>
           <a:p>
             <a:pPr lvl="2"/>
             <a:r>
-              <a:rPr lang="en-US" smtClean="0"/>
+              <a:rPr lang="en-US"/>
               <a:t>Third level</a:t>
             </a:r>
           </a:p>
           <a:p>
             <a:pPr lvl="3"/>
             <a:r>
-              <a:rPr lang="en-US" smtClean="0"/>
+              <a:rPr lang="en-US"/>
               <a:t>Fourth level</a:t>
             </a:r>
           </a:p>
           <a:p>
             <a:pPr lvl="4"/>
             <a:r>
-              <a:rPr lang="en-US" smtClean="0"/>
+              <a:rPr lang="en-US"/>
               <a:t>Fifth level</a:t>
             </a:r>
             <a:endParaRPr lang="en-IN"/>
@@ -1239,7 +1245,7 @@
           <a:p>
             <a:fld id="{00CEBC9C-C5FE-42F5-A11D-EA459225B158}" type="datetimeFigureOut">
               <a:rPr lang="en-IN" smtClean="0"/>
-              <a:t>15-10-2022</a:t>
+              <a:t>11-11-2022</a:t>
             </a:fld>
             <a:endParaRPr lang="en-IN"/>
           </a:p>
@@ -1338,7 +1344,7 @@
           <a:lstStyle/>
           <a:p>
             <a:r>
-              <a:rPr lang="en-US" smtClean="0"/>
+              <a:rPr lang="en-US"/>
               <a:t>Click to edit Master title style</a:t>
             </a:r>
             <a:endParaRPr lang="en-IN"/>
@@ -1404,7 +1410,7 @@
           <a:p>
             <a:pPr lvl="0"/>
             <a:r>
-              <a:rPr lang="en-US" smtClean="0"/>
+              <a:rPr lang="en-US"/>
               <a:t>Click to edit Master text styles</a:t>
             </a:r>
           </a:p>
@@ -1432,35 +1438,35 @@
           <a:p>
             <a:pPr lvl="0"/>
             <a:r>
-              <a:rPr lang="en-US" smtClean="0"/>
+              <a:rPr lang="en-US"/>
               <a:t>Click to edit Master text styles</a:t>
             </a:r>
           </a:p>
           <a:p>
             <a:pPr lvl="1"/>
             <a:r>
-              <a:rPr lang="en-US" smtClean="0"/>
+              <a:rPr lang="en-US"/>
               <a:t>Second level</a:t>
             </a:r>
           </a:p>
           <a:p>
             <a:pPr lvl="2"/>
             <a:r>
-              <a:rPr lang="en-US" smtClean="0"/>
+              <a:rPr lang="en-US"/>
               <a:t>Third level</a:t>
             </a:r>
           </a:p>
           <a:p>
             <a:pPr lvl="3"/>
             <a:r>
-              <a:rPr lang="en-US" smtClean="0"/>
+              <a:rPr lang="en-US"/>
               <a:t>Fourth level</a:t>
             </a:r>
           </a:p>
           <a:p>
             <a:pPr lvl="4"/>
             <a:r>
-              <a:rPr lang="en-US" smtClean="0"/>
+              <a:rPr lang="en-US"/>
               <a:t>Fifth level</a:t>
             </a:r>
             <a:endParaRPr lang="en-IN"/>
@@ -1526,7 +1532,7 @@
           <a:p>
             <a:pPr lvl="0"/>
             <a:r>
-              <a:rPr lang="en-US" smtClean="0"/>
+              <a:rPr lang="en-US"/>
               <a:t>Click to edit Master text styles</a:t>
             </a:r>
           </a:p>
@@ -1554,35 +1560,35 @@
           <a:p>
             <a:pPr lvl="0"/>
             <a:r>
-              <a:rPr lang="en-US" smtClean="0"/>
+              <a:rPr lang="en-US"/>
               <a:t>Click to edit Master text styles</a:t>
             </a:r>
           </a:p>
           <a:p>
             <a:pPr lvl="1"/>
             <a:r>
-              <a:rPr lang="en-US" smtClean="0"/>
+              <a:rPr lang="en-US"/>
               <a:t>Second level</a:t>
             </a:r>
           </a:p>
           <a:p>
             <a:pPr lvl="2"/>
             <a:r>
-              <a:rPr lang="en-US" smtClean="0"/>
+              <a:rPr lang="en-US"/>
               <a:t>Third level</a:t>
             </a:r>
           </a:p>
           <a:p>
             <a:pPr lvl="3"/>
             <a:r>
-              <a:rPr lang="en-US" smtClean="0"/>
+              <a:rPr lang="en-US"/>
               <a:t>Fourth level</a:t>
             </a:r>
           </a:p>
           <a:p>
             <a:pPr lvl="4"/>
             <a:r>
-              <a:rPr lang="en-US" smtClean="0"/>
+              <a:rPr lang="en-US"/>
               <a:t>Fifth level</a:t>
             </a:r>
             <a:endParaRPr lang="en-IN"/>
@@ -1606,7 +1612,7 @@
           <a:p>
             <a:fld id="{00CEBC9C-C5FE-42F5-A11D-EA459225B158}" type="datetimeFigureOut">
               <a:rPr lang="en-IN" smtClean="0"/>
-              <a:t>15-10-2022</a:t>
+              <a:t>11-11-2022</a:t>
             </a:fld>
             <a:endParaRPr lang="en-IN"/>
           </a:p>
@@ -1700,7 +1706,7 @@
           <a:lstStyle/>
           <a:p>
             <a:r>
-              <a:rPr lang="en-US" smtClean="0"/>
+              <a:rPr lang="en-US"/>
               <a:t>Click to edit Master title style</a:t>
             </a:r>
             <a:endParaRPr lang="en-IN"/>
@@ -1724,7 +1730,7 @@
           <a:p>
             <a:fld id="{00CEBC9C-C5FE-42F5-A11D-EA459225B158}" type="datetimeFigureOut">
               <a:rPr lang="en-IN" smtClean="0"/>
-              <a:t>15-10-2022</a:t>
+              <a:t>11-11-2022</a:t>
             </a:fld>
             <a:endParaRPr lang="en-IN"/>
           </a:p>
@@ -1819,7 +1825,7 @@
           <a:p>
             <a:fld id="{00CEBC9C-C5FE-42F5-A11D-EA459225B158}" type="datetimeFigureOut">
               <a:rPr lang="en-IN" smtClean="0"/>
-              <a:t>15-10-2022</a:t>
+              <a:t>11-11-2022</a:t>
             </a:fld>
             <a:endParaRPr lang="en-IN"/>
           </a:p>
@@ -1922,7 +1928,7 @@
           </a:lstStyle>
           <a:p>
             <a:r>
-              <a:rPr lang="en-US" smtClean="0"/>
+              <a:rPr lang="en-US"/>
               <a:t>Click to edit Master title style</a:t>
             </a:r>
             <a:endParaRPr lang="en-IN"/>
@@ -1979,35 +1985,35 @@
           <a:p>
             <a:pPr lvl="0"/>
             <a:r>
-              <a:rPr lang="en-US" smtClean="0"/>
+              <a:rPr lang="en-US"/>
               <a:t>Click to edit Master text styles</a:t>
             </a:r>
           </a:p>
           <a:p>
             <a:pPr lvl="1"/>
             <a:r>
-              <a:rPr lang="en-US" smtClean="0"/>
+              <a:rPr lang="en-US"/>
               <a:t>Second level</a:t>
             </a:r>
           </a:p>
           <a:p>
             <a:pPr lvl="2"/>
             <a:r>
-              <a:rPr lang="en-US" smtClean="0"/>
+              <a:rPr lang="en-US"/>
               <a:t>Third level</a:t>
             </a:r>
           </a:p>
           <a:p>
             <a:pPr lvl="3"/>
             <a:r>
-              <a:rPr lang="en-US" smtClean="0"/>
+              <a:rPr lang="en-US"/>
               <a:t>Fourth level</a:t>
             </a:r>
           </a:p>
           <a:p>
             <a:pPr lvl="4"/>
             <a:r>
-              <a:rPr lang="en-US" smtClean="0"/>
+              <a:rPr lang="en-US"/>
               <a:t>Fifth level</a:t>
             </a:r>
             <a:endParaRPr lang="en-IN"/>
@@ -2073,7 +2079,7 @@
           <a:p>
             <a:pPr lvl="0"/>
             <a:r>
-              <a:rPr lang="en-US" smtClean="0"/>
+              <a:rPr lang="en-US"/>
               <a:t>Click to edit Master text styles</a:t>
             </a:r>
           </a:p>
@@ -2096,7 +2102,7 @@
           <a:p>
             <a:fld id="{00CEBC9C-C5FE-42F5-A11D-EA459225B158}" type="datetimeFigureOut">
               <a:rPr lang="en-IN" smtClean="0"/>
-              <a:t>15-10-2022</a:t>
+              <a:t>11-11-2022</a:t>
             </a:fld>
             <a:endParaRPr lang="en-IN"/>
           </a:p>
@@ -2199,7 +2205,7 @@
           </a:lstStyle>
           <a:p>
             <a:r>
-              <a:rPr lang="en-US" smtClean="0"/>
+              <a:rPr lang="en-US"/>
               <a:t>Click to edit Master title style</a:t>
             </a:r>
             <a:endParaRPr lang="en-IN"/>
@@ -2326,7 +2332,7 @@
           <a:p>
             <a:pPr lvl="0"/>
             <a:r>
-              <a:rPr lang="en-US" smtClean="0"/>
+              <a:rPr lang="en-US"/>
               <a:t>Click to edit Master text styles</a:t>
             </a:r>
           </a:p>
@@ -2349,7 +2355,7 @@
           <a:p>
             <a:fld id="{00CEBC9C-C5FE-42F5-A11D-EA459225B158}" type="datetimeFigureOut">
               <a:rPr lang="en-IN" smtClean="0"/>
-              <a:t>15-10-2022</a:t>
+              <a:t>11-11-2022</a:t>
             </a:fld>
             <a:endParaRPr lang="en-IN"/>
           </a:p>
@@ -2458,7 +2464,7 @@
           <a:lstStyle/>
           <a:p>
             <a:r>
-              <a:rPr lang="en-US" smtClean="0"/>
+              <a:rPr lang="en-US"/>
               <a:t>Click to edit Master title style</a:t>
             </a:r>
             <a:endParaRPr lang="en-IN"/>
@@ -2492,35 +2498,35 @@
           <a:p>
             <a:pPr lvl="0"/>
             <a:r>
-              <a:rPr lang="en-US" smtClean="0"/>
+              <a:rPr lang="en-US"/>
               <a:t>Click to edit Master text styles</a:t>
             </a:r>
           </a:p>
           <a:p>
             <a:pPr lvl="1"/>
             <a:r>
-              <a:rPr lang="en-US" smtClean="0"/>
+              <a:rPr lang="en-US"/>
               <a:t>Second level</a:t>
             </a:r>
           </a:p>
           <a:p>
             <a:pPr lvl="2"/>
             <a:r>
-              <a:rPr lang="en-US" smtClean="0"/>
+              <a:rPr lang="en-US"/>
               <a:t>Third level</a:t>
             </a:r>
           </a:p>
           <a:p>
             <a:pPr lvl="3"/>
             <a:r>
-              <a:rPr lang="en-US" smtClean="0"/>
+              <a:rPr lang="en-US"/>
               <a:t>Fourth level</a:t>
             </a:r>
           </a:p>
           <a:p>
             <a:pPr lvl="4"/>
             <a:r>
-              <a:rPr lang="en-US" smtClean="0"/>
+              <a:rPr lang="en-US"/>
               <a:t>Fifth level</a:t>
             </a:r>
             <a:endParaRPr lang="en-IN"/>
@@ -2562,7 +2568,7 @@
           <a:p>
             <a:fld id="{00CEBC9C-C5FE-42F5-A11D-EA459225B158}" type="datetimeFigureOut">
               <a:rPr lang="en-IN" smtClean="0"/>
-              <a:t>15-10-2022</a:t>
+              <a:t>11-11-2022</a:t>
             </a:fld>
             <a:endParaRPr lang="en-IN"/>
           </a:p>
@@ -2969,6 +2975,631 @@
       </p:grpSpPr>
       <p:pic>
         <p:nvPicPr>
+          <p:cNvPr id="3" name="Picture 2">
+            <a:extLst>
+              <a:ext uri="{FF2B5EF4-FFF2-40B4-BE49-F238E27FC236}">
+                <a16:creationId xmlns:a16="http://schemas.microsoft.com/office/drawing/2014/main" id="{6FBDCF56-42DA-4A4E-A4D8-D2A3BF43434F}"/>
+              </a:ext>
+            </a:extLst>
+          </p:cNvPr>
+          <p:cNvPicPr>
+            <a:picLocks noChangeAspect="1"/>
+          </p:cNvPicPr>
+          <p:nvPr/>
+        </p:nvPicPr>
+        <p:blipFill>
+          <a:blip r:embed="rId2"/>
+          <a:stretch>
+            <a:fillRect/>
+          </a:stretch>
+        </p:blipFill>
+        <p:spPr>
+          <a:xfrm>
+            <a:off x="223981" y="402355"/>
+            <a:ext cx="1549400" cy="1514187"/>
+          </a:xfrm>
+          <a:prstGeom prst="rect">
+            <a:avLst/>
+          </a:prstGeom>
+          <a:ln>
+            <a:solidFill>
+              <a:schemeClr val="tx1"/>
+            </a:solidFill>
+          </a:ln>
+        </p:spPr>
+      </p:pic>
+      <p:sp>
+        <p:nvSpPr>
+          <p:cNvPr id="4" name="TextBox 3">
+            <a:extLst>
+              <a:ext uri="{FF2B5EF4-FFF2-40B4-BE49-F238E27FC236}">
+                <a16:creationId xmlns:a16="http://schemas.microsoft.com/office/drawing/2014/main" id="{7D04AC59-3027-43EE-944F-8A337FE59D07}"/>
+              </a:ext>
+            </a:extLst>
+          </p:cNvPr>
+          <p:cNvSpPr txBox="1"/>
+          <p:nvPr/>
+        </p:nvSpPr>
+        <p:spPr>
+          <a:xfrm>
+            <a:off x="496555" y="106884"/>
+            <a:ext cx="1042273" cy="246221"/>
+          </a:xfrm>
+          <a:prstGeom prst="rect">
+            <a:avLst/>
+          </a:prstGeom>
+          <a:solidFill>
+            <a:srgbClr val="FFFF00"/>
+          </a:solidFill>
+          <a:ln>
+            <a:solidFill>
+              <a:schemeClr val="tx1"/>
+            </a:solidFill>
+          </a:ln>
+        </p:spPr>
+        <p:txBody>
+          <a:bodyPr wrap="none" rtlCol="0">
+            <a:spAutoFit/>
+          </a:bodyPr>
+          <a:lstStyle/>
+          <a:p>
+            <a:r>
+              <a:rPr lang="en-IN" sz="1000" dirty="0"/>
+              <a:t>Table: PRODUCT</a:t>
+            </a:r>
+          </a:p>
+        </p:txBody>
+      </p:sp>
+      <p:pic>
+        <p:nvPicPr>
+          <p:cNvPr id="8" name="Picture 7">
+            <a:extLst>
+              <a:ext uri="{FF2B5EF4-FFF2-40B4-BE49-F238E27FC236}">
+                <a16:creationId xmlns:a16="http://schemas.microsoft.com/office/drawing/2014/main" id="{5B668EF0-AAB3-470D-A760-C8FAFE12796F}"/>
+              </a:ext>
+            </a:extLst>
+          </p:cNvPr>
+          <p:cNvPicPr>
+            <a:picLocks noChangeAspect="1"/>
+          </p:cNvPicPr>
+          <p:nvPr/>
+        </p:nvPicPr>
+        <p:blipFill>
+          <a:blip r:embed="rId3"/>
+          <a:stretch>
+            <a:fillRect/>
+          </a:stretch>
+        </p:blipFill>
+        <p:spPr>
+          <a:xfrm>
+            <a:off x="223981" y="2162608"/>
+            <a:ext cx="1715655" cy="906218"/>
+          </a:xfrm>
+          <a:prstGeom prst="rect">
+            <a:avLst/>
+          </a:prstGeom>
+          <a:ln>
+            <a:solidFill>
+              <a:schemeClr val="tx1"/>
+            </a:solidFill>
+          </a:ln>
+        </p:spPr>
+      </p:pic>
+      <p:pic>
+        <p:nvPicPr>
+          <p:cNvPr id="10" name="Picture 9">
+            <a:extLst>
+              <a:ext uri="{FF2B5EF4-FFF2-40B4-BE49-F238E27FC236}">
+                <a16:creationId xmlns:a16="http://schemas.microsoft.com/office/drawing/2014/main" id="{FBBCC0C1-2E5D-4A53-AAC2-84943FF01D30}"/>
+              </a:ext>
+            </a:extLst>
+          </p:cNvPr>
+          <p:cNvPicPr>
+            <a:picLocks noChangeAspect="1"/>
+          </p:cNvPicPr>
+          <p:nvPr/>
+        </p:nvPicPr>
+        <p:blipFill>
+          <a:blip r:embed="rId4"/>
+          <a:stretch>
+            <a:fillRect/>
+          </a:stretch>
+        </p:blipFill>
+        <p:spPr>
+          <a:xfrm>
+            <a:off x="4867275" y="711166"/>
+            <a:ext cx="1549400" cy="896563"/>
+          </a:xfrm>
+          <a:prstGeom prst="rect">
+            <a:avLst/>
+          </a:prstGeom>
+          <a:ln>
+            <a:solidFill>
+              <a:schemeClr val="tx1"/>
+            </a:solidFill>
+          </a:ln>
+        </p:spPr>
+      </p:pic>
+      <p:pic>
+        <p:nvPicPr>
+          <p:cNvPr id="11" name="Picture 10">
+            <a:extLst>
+              <a:ext uri="{FF2B5EF4-FFF2-40B4-BE49-F238E27FC236}">
+                <a16:creationId xmlns:a16="http://schemas.microsoft.com/office/drawing/2014/main" id="{0D25A553-EE2C-4CF9-A91B-CA24B4487546}"/>
+              </a:ext>
+            </a:extLst>
+          </p:cNvPr>
+          <p:cNvPicPr>
+            <a:picLocks noChangeAspect="1"/>
+          </p:cNvPicPr>
+          <p:nvPr/>
+        </p:nvPicPr>
+        <p:blipFill>
+          <a:blip r:embed="rId2"/>
+          <a:stretch>
+            <a:fillRect/>
+          </a:stretch>
+        </p:blipFill>
+        <p:spPr>
+          <a:xfrm>
+            <a:off x="2680854" y="402355"/>
+            <a:ext cx="1549400" cy="1514187"/>
+          </a:xfrm>
+          <a:prstGeom prst="rect">
+            <a:avLst/>
+          </a:prstGeom>
+          <a:ln>
+            <a:solidFill>
+              <a:schemeClr val="tx1"/>
+            </a:solidFill>
+          </a:ln>
+        </p:spPr>
+      </p:pic>
+      <p:sp>
+        <p:nvSpPr>
+          <p:cNvPr id="12" name="Rectangle 11">
+            <a:extLst>
+              <a:ext uri="{FF2B5EF4-FFF2-40B4-BE49-F238E27FC236}">
+                <a16:creationId xmlns:a16="http://schemas.microsoft.com/office/drawing/2014/main" id="{F1FC174E-BA46-485B-A443-C52F5B047AC9}"/>
+              </a:ext>
+            </a:extLst>
+          </p:cNvPr>
+          <p:cNvSpPr/>
+          <p:nvPr/>
+        </p:nvSpPr>
+        <p:spPr>
+          <a:xfrm>
+            <a:off x="2669017" y="747027"/>
+            <a:ext cx="1561237" cy="241264"/>
+          </a:xfrm>
+          <a:prstGeom prst="rect">
+            <a:avLst/>
+          </a:prstGeom>
+          <a:noFill/>
+          <a:ln w="22225">
+            <a:solidFill>
+              <a:srgbClr val="FF0000"/>
+            </a:solidFill>
+          </a:ln>
+        </p:spPr>
+        <p:style>
+          <a:lnRef idx="2">
+            <a:schemeClr val="accent1">
+              <a:shade val="50000"/>
+            </a:schemeClr>
+          </a:lnRef>
+          <a:fillRef idx="1">
+            <a:schemeClr val="accent1"/>
+          </a:fillRef>
+          <a:effectRef idx="0">
+            <a:schemeClr val="accent1"/>
+          </a:effectRef>
+          <a:fontRef idx="minor">
+            <a:schemeClr val="lt1"/>
+          </a:fontRef>
+        </p:style>
+        <p:txBody>
+          <a:bodyPr rtlCol="0" anchor="ctr"/>
+          <a:lstStyle/>
+          <a:p>
+            <a:pPr algn="ctr"/>
+            <a:endParaRPr lang="en-IN"/>
+          </a:p>
+        </p:txBody>
+      </p:sp>
+      <p:cxnSp>
+        <p:nvCxnSpPr>
+          <p:cNvPr id="13" name="Straight Arrow Connector 12">
+            <a:extLst>
+              <a:ext uri="{FF2B5EF4-FFF2-40B4-BE49-F238E27FC236}">
+                <a16:creationId xmlns:a16="http://schemas.microsoft.com/office/drawing/2014/main" id="{5903B8CA-687C-4101-BD30-A618FA36F07C}"/>
+              </a:ext>
+            </a:extLst>
+          </p:cNvPr>
+          <p:cNvCxnSpPr>
+            <a:cxnSpLocks/>
+          </p:cNvCxnSpPr>
+          <p:nvPr/>
+        </p:nvCxnSpPr>
+        <p:spPr>
+          <a:xfrm>
+            <a:off x="4342368" y="1159447"/>
+            <a:ext cx="405123" cy="0"/>
+          </a:xfrm>
+          <a:prstGeom prst="straightConnector1">
+            <a:avLst/>
+          </a:prstGeom>
+          <a:ln w="28575">
+            <a:solidFill>
+              <a:srgbClr val="FF0000"/>
+            </a:solidFill>
+            <a:tailEnd type="arrow"/>
+          </a:ln>
+        </p:spPr>
+        <p:style>
+          <a:lnRef idx="1">
+            <a:schemeClr val="accent1"/>
+          </a:lnRef>
+          <a:fillRef idx="0">
+            <a:schemeClr val="accent1"/>
+          </a:fillRef>
+          <a:effectRef idx="0">
+            <a:schemeClr val="accent1"/>
+          </a:effectRef>
+          <a:fontRef idx="minor">
+            <a:schemeClr val="tx1"/>
+          </a:fontRef>
+        </p:style>
+      </p:cxnSp>
+      <p:sp>
+        <p:nvSpPr>
+          <p:cNvPr id="14" name="Rectangle 13">
+            <a:extLst>
+              <a:ext uri="{FF2B5EF4-FFF2-40B4-BE49-F238E27FC236}">
+                <a16:creationId xmlns:a16="http://schemas.microsoft.com/office/drawing/2014/main" id="{6334D9BD-6A07-41CF-80CF-1A2D51D662A1}"/>
+              </a:ext>
+            </a:extLst>
+          </p:cNvPr>
+          <p:cNvSpPr/>
+          <p:nvPr/>
+        </p:nvSpPr>
+        <p:spPr>
+          <a:xfrm>
+            <a:off x="2680854" y="1634837"/>
+            <a:ext cx="1561237" cy="281705"/>
+          </a:xfrm>
+          <a:prstGeom prst="rect">
+            <a:avLst/>
+          </a:prstGeom>
+          <a:noFill/>
+          <a:ln w="22225">
+            <a:solidFill>
+              <a:srgbClr val="FF0000"/>
+            </a:solidFill>
+          </a:ln>
+        </p:spPr>
+        <p:style>
+          <a:lnRef idx="2">
+            <a:schemeClr val="accent1">
+              <a:shade val="50000"/>
+            </a:schemeClr>
+          </a:lnRef>
+          <a:fillRef idx="1">
+            <a:schemeClr val="accent1"/>
+          </a:fillRef>
+          <a:effectRef idx="0">
+            <a:schemeClr val="accent1"/>
+          </a:effectRef>
+          <a:fontRef idx="minor">
+            <a:schemeClr val="lt1"/>
+          </a:fontRef>
+        </p:style>
+        <p:txBody>
+          <a:bodyPr rtlCol="0" anchor="ctr"/>
+          <a:lstStyle/>
+          <a:p>
+            <a:pPr algn="ctr"/>
+            <a:endParaRPr lang="en-IN"/>
+          </a:p>
+        </p:txBody>
+      </p:sp>
+      <p:pic>
+        <p:nvPicPr>
+          <p:cNvPr id="17" name="Picture 16">
+            <a:extLst>
+              <a:ext uri="{FF2B5EF4-FFF2-40B4-BE49-F238E27FC236}">
+                <a16:creationId xmlns:a16="http://schemas.microsoft.com/office/drawing/2014/main" id="{C3776FA4-B1C5-42E5-9512-79836CEF8135}"/>
+              </a:ext>
+            </a:extLst>
+          </p:cNvPr>
+          <p:cNvPicPr>
+            <a:picLocks noChangeAspect="1"/>
+          </p:cNvPicPr>
+          <p:nvPr/>
+        </p:nvPicPr>
+        <p:blipFill>
+          <a:blip r:embed="rId5"/>
+          <a:stretch>
+            <a:fillRect/>
+          </a:stretch>
+        </p:blipFill>
+        <p:spPr>
+          <a:xfrm>
+            <a:off x="223981" y="3428999"/>
+            <a:ext cx="1715655" cy="1333309"/>
+          </a:xfrm>
+          <a:prstGeom prst="rect">
+            <a:avLst/>
+          </a:prstGeom>
+          <a:ln>
+            <a:solidFill>
+              <a:schemeClr val="tx1"/>
+            </a:solidFill>
+          </a:ln>
+        </p:spPr>
+      </p:pic>
+      <p:pic>
+        <p:nvPicPr>
+          <p:cNvPr id="19" name="Picture 18">
+            <a:extLst>
+              <a:ext uri="{FF2B5EF4-FFF2-40B4-BE49-F238E27FC236}">
+                <a16:creationId xmlns:a16="http://schemas.microsoft.com/office/drawing/2014/main" id="{D6994265-439A-449C-AC92-DE4E98B6E9F5}"/>
+              </a:ext>
+            </a:extLst>
+          </p:cNvPr>
+          <p:cNvPicPr>
+            <a:picLocks noChangeAspect="1"/>
+          </p:cNvPicPr>
+          <p:nvPr/>
+        </p:nvPicPr>
+        <p:blipFill>
+          <a:blip r:embed="rId6"/>
+          <a:stretch>
+            <a:fillRect/>
+          </a:stretch>
+        </p:blipFill>
+        <p:spPr>
+          <a:xfrm>
+            <a:off x="9904674" y="659193"/>
+            <a:ext cx="1587085" cy="2232992"/>
+          </a:xfrm>
+          <a:prstGeom prst="rect">
+            <a:avLst/>
+          </a:prstGeom>
+          <a:ln>
+            <a:solidFill>
+              <a:schemeClr val="tx1"/>
+            </a:solidFill>
+          </a:ln>
+        </p:spPr>
+      </p:pic>
+      <p:cxnSp>
+        <p:nvCxnSpPr>
+          <p:cNvPr id="21" name="Straight Arrow Connector 20">
+            <a:extLst>
+              <a:ext uri="{FF2B5EF4-FFF2-40B4-BE49-F238E27FC236}">
+                <a16:creationId xmlns:a16="http://schemas.microsoft.com/office/drawing/2014/main" id="{CB12D517-18A6-4334-A639-1CC217EB8292}"/>
+              </a:ext>
+            </a:extLst>
+          </p:cNvPr>
+          <p:cNvCxnSpPr>
+            <a:cxnSpLocks/>
+          </p:cNvCxnSpPr>
+          <p:nvPr/>
+        </p:nvCxnSpPr>
+        <p:spPr>
+          <a:xfrm>
+            <a:off x="9330003" y="1775689"/>
+            <a:ext cx="405123" cy="0"/>
+          </a:xfrm>
+          <a:prstGeom prst="straightConnector1">
+            <a:avLst/>
+          </a:prstGeom>
+          <a:ln w="28575">
+            <a:solidFill>
+              <a:srgbClr val="FF0000"/>
+            </a:solidFill>
+            <a:tailEnd type="arrow"/>
+          </a:ln>
+        </p:spPr>
+        <p:style>
+          <a:lnRef idx="1">
+            <a:schemeClr val="accent1"/>
+          </a:lnRef>
+          <a:fillRef idx="0">
+            <a:schemeClr val="accent1"/>
+          </a:fillRef>
+          <a:effectRef idx="0">
+            <a:schemeClr val="accent1"/>
+          </a:effectRef>
+          <a:fontRef idx="minor">
+            <a:schemeClr val="tx1"/>
+          </a:fontRef>
+        </p:style>
+      </p:cxnSp>
+      <p:pic>
+        <p:nvPicPr>
+          <p:cNvPr id="23" name="Picture 22">
+            <a:extLst>
+              <a:ext uri="{FF2B5EF4-FFF2-40B4-BE49-F238E27FC236}">
+                <a16:creationId xmlns:a16="http://schemas.microsoft.com/office/drawing/2014/main" id="{D6C8352E-AE3B-457A-AB6E-577726D92706}"/>
+              </a:ext>
+            </a:extLst>
+          </p:cNvPr>
+          <p:cNvPicPr>
+            <a:picLocks noChangeAspect="1"/>
+          </p:cNvPicPr>
+          <p:nvPr/>
+        </p:nvPicPr>
+        <p:blipFill>
+          <a:blip r:embed="rId7"/>
+          <a:stretch>
+            <a:fillRect/>
+          </a:stretch>
+        </p:blipFill>
+        <p:spPr>
+          <a:xfrm>
+            <a:off x="7460009" y="353105"/>
+            <a:ext cx="1715654" cy="2709954"/>
+          </a:xfrm>
+          <a:prstGeom prst="rect">
+            <a:avLst/>
+          </a:prstGeom>
+          <a:ln>
+            <a:solidFill>
+              <a:schemeClr val="tx1"/>
+            </a:solidFill>
+          </a:ln>
+        </p:spPr>
+      </p:pic>
+      <p:sp>
+        <p:nvSpPr>
+          <p:cNvPr id="20" name="Rectangle 19">
+            <a:extLst>
+              <a:ext uri="{FF2B5EF4-FFF2-40B4-BE49-F238E27FC236}">
+                <a16:creationId xmlns:a16="http://schemas.microsoft.com/office/drawing/2014/main" id="{D19FB820-BB8B-4AC0-BB05-53F142495006}"/>
+              </a:ext>
+            </a:extLst>
+          </p:cNvPr>
+          <p:cNvSpPr/>
+          <p:nvPr/>
+        </p:nvSpPr>
+        <p:spPr>
+          <a:xfrm>
+            <a:off x="7460009" y="2428684"/>
+            <a:ext cx="1715654" cy="281705"/>
+          </a:xfrm>
+          <a:prstGeom prst="rect">
+            <a:avLst/>
+          </a:prstGeom>
+          <a:noFill/>
+          <a:ln w="22225">
+            <a:solidFill>
+              <a:srgbClr val="FF0000"/>
+            </a:solidFill>
+          </a:ln>
+        </p:spPr>
+        <p:style>
+          <a:lnRef idx="2">
+            <a:schemeClr val="accent1">
+              <a:shade val="50000"/>
+            </a:schemeClr>
+          </a:lnRef>
+          <a:fillRef idx="1">
+            <a:schemeClr val="accent1"/>
+          </a:fillRef>
+          <a:effectRef idx="0">
+            <a:schemeClr val="accent1"/>
+          </a:effectRef>
+          <a:fontRef idx="minor">
+            <a:schemeClr val="lt1"/>
+          </a:fontRef>
+        </p:style>
+        <p:txBody>
+          <a:bodyPr rtlCol="0" anchor="ctr"/>
+          <a:lstStyle/>
+          <a:p>
+            <a:pPr algn="ctr"/>
+            <a:endParaRPr lang="en-IN"/>
+          </a:p>
+        </p:txBody>
+      </p:sp>
+    </p:spTree>
+    <p:extLst>
+      <p:ext uri="{BB962C8B-B14F-4D97-AF65-F5344CB8AC3E}">
+        <p14:creationId xmlns:p14="http://schemas.microsoft.com/office/powerpoint/2010/main" val="4273545053"/>
+      </p:ext>
+    </p:extLst>
+  </p:cSld>
+  <p:clrMapOvr>
+    <a:masterClrMapping/>
+  </p:clrMapOvr>
+</p:sld>
+</file>
+
+<file path=ppt/slides/slide2.xml><?xml version="1.0" encoding="utf-8"?>
+<p:sld xmlns:a="http://schemas.openxmlformats.org/drawingml/2006/main" xmlns:r="http://schemas.openxmlformats.org/officeDocument/2006/relationships" xmlns:p="http://schemas.openxmlformats.org/presentationml/2006/main">
+  <p:cSld>
+    <p:spTree>
+      <p:nvGrpSpPr>
+        <p:cNvPr id="1" name=""/>
+        <p:cNvGrpSpPr/>
+        <p:nvPr/>
+      </p:nvGrpSpPr>
+      <p:grpSpPr>
+        <a:xfrm>
+          <a:off x="0" y="0"/>
+          <a:ext cx="0" cy="0"/>
+          <a:chOff x="0" y="0"/>
+          <a:chExt cx="0" cy="0"/>
+        </a:xfrm>
+      </p:grpSpPr>
+      <p:pic>
+        <p:nvPicPr>
+          <p:cNvPr id="2" name="Picture 1">
+            <a:extLst>
+              <a:ext uri="{FF2B5EF4-FFF2-40B4-BE49-F238E27FC236}">
+                <a16:creationId xmlns:a16="http://schemas.microsoft.com/office/drawing/2014/main" id="{F08D6493-C87F-4142-B08E-93D500197C86}"/>
+              </a:ext>
+            </a:extLst>
+          </p:cNvPr>
+          <p:cNvPicPr>
+            <a:picLocks noChangeAspect="1"/>
+          </p:cNvPicPr>
+          <p:nvPr/>
+        </p:nvPicPr>
+        <p:blipFill rotWithShape="1">
+          <a:blip r:embed="rId2"/>
+          <a:srcRect l="2357" t="1728" r="1307" b="2905"/>
+          <a:stretch/>
+        </p:blipFill>
+        <p:spPr>
+          <a:xfrm>
+            <a:off x="238539" y="228600"/>
+            <a:ext cx="7901609" cy="4138428"/>
+          </a:xfrm>
+          <a:prstGeom prst="rect">
+            <a:avLst/>
+          </a:prstGeom>
+          <a:ln w="15875">
+            <a:solidFill>
+              <a:schemeClr val="tx1"/>
+            </a:solidFill>
+          </a:ln>
+        </p:spPr>
+      </p:pic>
+    </p:spTree>
+    <p:extLst>
+      <p:ext uri="{BB962C8B-B14F-4D97-AF65-F5344CB8AC3E}">
+        <p14:creationId xmlns:p14="http://schemas.microsoft.com/office/powerpoint/2010/main" val="390171312"/>
+      </p:ext>
+    </p:extLst>
+  </p:cSld>
+  <p:clrMapOvr>
+    <a:masterClrMapping/>
+  </p:clrMapOvr>
+</p:sld>
+</file>
+
+<file path=ppt/slides/slide3.xml><?xml version="1.0" encoding="utf-8"?>
+<p:sld xmlns:a="http://schemas.openxmlformats.org/drawingml/2006/main" xmlns:r="http://schemas.openxmlformats.org/officeDocument/2006/relationships" xmlns:p="http://schemas.openxmlformats.org/presentationml/2006/main">
+  <p:cSld>
+    <p:spTree>
+      <p:nvGrpSpPr>
+        <p:cNvPr id="1" name=""/>
+        <p:cNvGrpSpPr/>
+        <p:nvPr/>
+      </p:nvGrpSpPr>
+      <p:grpSpPr>
+        <a:xfrm>
+          <a:off x="0" y="0"/>
+          <a:ext cx="0" cy="0"/>
+          <a:chOff x="0" y="0"/>
+          <a:chExt cx="0" cy="0"/>
+        </a:xfrm>
+      </p:grpSpPr>
+      <p:pic>
+        <p:nvPicPr>
           <p:cNvPr id="4" name="Picture 3"/>
           <p:cNvPicPr>
             <a:picLocks noChangeAspect="1"/>
@@ -3166,7 +3797,7 @@
 </p:sld>
 </file>
 
-<file path=ppt/slides/slide2.xml><?xml version="1.0" encoding="utf-8"?>
+<file path=ppt/slides/slide4.xml><?xml version="1.0" encoding="utf-8"?>
 <p:sld xmlns:a="http://schemas.openxmlformats.org/drawingml/2006/main" xmlns:r="http://schemas.openxmlformats.org/officeDocument/2006/relationships" xmlns:p="http://schemas.openxmlformats.org/presentationml/2006/main">
   <p:cSld>
     <p:spTree>
@@ -3428,7 +4059,7 @@
 </p:sld>
 </file>
 
-<file path=ppt/slides/slide3.xml><?xml version="1.0" encoding="utf-8"?>
+<file path=ppt/slides/slide5.xml><?xml version="1.0" encoding="utf-8"?>
 <p:sld xmlns:a="http://schemas.openxmlformats.org/drawingml/2006/main" xmlns:r="http://schemas.openxmlformats.org/officeDocument/2006/relationships" xmlns:p="http://schemas.openxmlformats.org/presentationml/2006/main">
   <p:cSld>
     <p:spTree>
@@ -3635,36 +4266,6 @@
     <p:extLst>
       <p:ext uri="{BB962C8B-B14F-4D97-AF65-F5344CB8AC3E}">
         <p14:creationId xmlns:p14="http://schemas.microsoft.com/office/powerpoint/2010/main" val="1418357278"/>
-      </p:ext>
-    </p:extLst>
-  </p:cSld>
-  <p:clrMapOvr>
-    <a:masterClrMapping/>
-  </p:clrMapOvr>
-</p:sld>
-</file>
-
-<file path=ppt/slides/slide4.xml><?xml version="1.0" encoding="utf-8"?>
-<p:sld xmlns:a="http://schemas.openxmlformats.org/drawingml/2006/main" xmlns:r="http://schemas.openxmlformats.org/officeDocument/2006/relationships" xmlns:p="http://schemas.openxmlformats.org/presentationml/2006/main">
-  <p:cSld>
-    <p:spTree>
-      <p:nvGrpSpPr>
-        <p:cNvPr id="1" name=""/>
-        <p:cNvGrpSpPr/>
-        <p:nvPr/>
-      </p:nvGrpSpPr>
-      <p:grpSpPr>
-        <a:xfrm>
-          <a:off x="0" y="0"/>
-          <a:ext cx="0" cy="0"/>
-          <a:chOff x="0" y="0"/>
-          <a:chExt cx="0" cy="0"/>
-        </a:xfrm>
-      </p:grpSpPr>
-    </p:spTree>
-    <p:extLst>
-      <p:ext uri="{BB962C8B-B14F-4D97-AF65-F5344CB8AC3E}">
-        <p14:creationId xmlns:p14="http://schemas.microsoft.com/office/powerpoint/2010/main" val="4273545053"/>
       </p:ext>
     </p:extLst>
   </p:cSld>
